--- a/MyntraAnalysis/Myntra Analysis.pptx
+++ b/MyntraAnalysis/Myntra Analysis.pptx
@@ -12425,8 +12425,8 @@
       </dsp:nvSpPr>
       <dsp:spPr>
         <a:xfrm>
-          <a:off x="0" y="1980"/>
-          <a:ext cx="5460998" cy="1049850"/>
+          <a:off x="0" y="289"/>
+          <a:ext cx="5460998" cy="1052710"/>
         </a:xfrm>
         <a:prstGeom prst="roundRect">
           <a:avLst/>
@@ -12599,8 +12599,8 @@
         </a:p>
       </dsp:txBody>
       <dsp:txXfrm>
-        <a:off x="51249" y="53229"/>
-        <a:ext cx="5358500" cy="947352"/>
+        <a:off x="51389" y="51678"/>
+        <a:ext cx="5358220" cy="949932"/>
       </dsp:txXfrm>
     </dsp:sp>
     <dsp:sp modelId="{846B9307-F212-404A-A5F2-C05034EEF6BD}">
@@ -12610,8 +12610,8 @@
       </dsp:nvSpPr>
       <dsp:spPr>
         <a:xfrm>
-          <a:off x="0" y="1065753"/>
-          <a:ext cx="5460998" cy="1049850"/>
+          <a:off x="0" y="1064236"/>
+          <a:ext cx="5460998" cy="1052710"/>
         </a:xfrm>
         <a:prstGeom prst="roundRect">
           <a:avLst/>
@@ -12739,8 +12739,8 @@
         </a:p>
       </dsp:txBody>
       <dsp:txXfrm>
-        <a:off x="51249" y="1117002"/>
-        <a:ext cx="5358500" cy="947352"/>
+        <a:off x="51389" y="1115625"/>
+        <a:ext cx="5358220" cy="949932"/>
       </dsp:txXfrm>
     </dsp:sp>
     <dsp:sp modelId="{59357A79-BF8C-4716-891A-C90FD7656411}">
@@ -12750,8 +12750,8 @@
       </dsp:nvSpPr>
       <dsp:spPr>
         <a:xfrm>
-          <a:off x="0" y="2129525"/>
-          <a:ext cx="5460998" cy="1049850"/>
+          <a:off x="0" y="2128182"/>
+          <a:ext cx="5460998" cy="1052710"/>
         </a:xfrm>
         <a:prstGeom prst="roundRect">
           <a:avLst/>
@@ -12854,8 +12854,8 @@
         </a:p>
       </dsp:txBody>
       <dsp:txXfrm>
-        <a:off x="51249" y="2180774"/>
-        <a:ext cx="5358500" cy="947352"/>
+        <a:off x="51389" y="2179571"/>
+        <a:ext cx="5358220" cy="949932"/>
       </dsp:txXfrm>
     </dsp:sp>
     <dsp:sp modelId="{92680672-0501-4043-B14A-3983B8C19631}">
@@ -12865,8 +12865,8 @@
       </dsp:nvSpPr>
       <dsp:spPr>
         <a:xfrm>
-          <a:off x="0" y="3193298"/>
-          <a:ext cx="5460998" cy="1049850"/>
+          <a:off x="0" y="3192129"/>
+          <a:ext cx="5460998" cy="1052710"/>
         </a:xfrm>
         <a:prstGeom prst="roundRect">
           <a:avLst/>
@@ -12970,8 +12970,8 @@
         </a:p>
       </dsp:txBody>
       <dsp:txXfrm>
-        <a:off x="51249" y="3244547"/>
-        <a:ext cx="5358500" cy="947352"/>
+        <a:off x="51389" y="3243518"/>
+        <a:ext cx="5358220" cy="949932"/>
       </dsp:txXfrm>
     </dsp:sp>
   </dsp:spTree>
@@ -22786,7 +22786,7 @@
           <a:p>
             <a:fld id="{AA55CEC9-278D-4005-9EA8-247FC87AA2F2}" type="datetimeFigureOut">
               <a:rPr lang="en-IN" smtClean="0"/>
-              <a:t>26-09-2024</a:t>
+              <a:t>07-10-2024</a:t>
             </a:fld>
             <a:endParaRPr lang="en-IN"/>
           </a:p>
@@ -23210,7 +23210,7 @@
           <a:p>
             <a:fld id="{FF43B5DB-A9FC-45AA-896E-2459B1B9F542}" type="datetime1">
               <a:rPr lang="en-US" smtClean="0"/>
-              <a:t>9/26/2024</a:t>
+              <a:t>10/7/2024</a:t>
             </a:fld>
             <a:endParaRPr lang="en-US" dirty="0"/>
           </a:p>
@@ -23584,7 +23584,7 @@
           <a:p>
             <a:fld id="{D81B1CE6-684C-486E-AB36-905B019577D3}" type="datetime1">
               <a:rPr lang="en-US" smtClean="0"/>
-              <a:t>9/26/2024</a:t>
+              <a:t>10/7/2024</a:t>
             </a:fld>
             <a:endParaRPr lang="en-US"/>
           </a:p>
@@ -23796,7 +23796,7 @@
           <a:p>
             <a:fld id="{D73A4BF0-5C5C-43C1-BD0F-8FB70B081F96}" type="datetime1">
               <a:rPr lang="en-US" smtClean="0"/>
-              <a:t>9/26/2024</a:t>
+              <a:t>10/7/2024</a:t>
             </a:fld>
             <a:endParaRPr lang="en-US"/>
           </a:p>
@@ -24269,7 +24269,7 @@
           <a:p>
             <a:fld id="{4B31B8C2-DA05-4718-88A9-A8D70CCFF5FA}" type="datetime1">
               <a:rPr lang="en-US" smtClean="0"/>
-              <a:t>9/26/2024</a:t>
+              <a:t>10/7/2024</a:t>
             </a:fld>
             <a:endParaRPr lang="en-US"/>
           </a:p>
@@ -24726,7 +24726,7 @@
           <a:p>
             <a:fld id="{DE6C2A98-17A0-4F3A-8DE5-5F4AE4C49964}" type="datetime1">
               <a:rPr lang="en-US" smtClean="0"/>
-              <a:t>9/26/2024</a:t>
+              <a:t>10/7/2024</a:t>
             </a:fld>
             <a:endParaRPr lang="en-US"/>
           </a:p>
@@ -25261,7 +25261,7 @@
           <a:p>
             <a:fld id="{7AB16A9F-56C7-441E-96AE-A11EA8CEC662}" type="datetime1">
               <a:rPr lang="en-US" smtClean="0"/>
-              <a:t>9/26/2024</a:t>
+              <a:t>10/7/2024</a:t>
             </a:fld>
             <a:endParaRPr lang="en-US"/>
           </a:p>
@@ -25963,7 +25963,7 @@
           <a:p>
             <a:fld id="{0E452054-CC33-4688-9DF3-30F01788C9A9}" type="datetime1">
               <a:rPr lang="en-US" smtClean="0"/>
-              <a:t>9/26/2024</a:t>
+              <a:t>10/7/2024</a:t>
             </a:fld>
             <a:endParaRPr lang="en-US"/>
           </a:p>
@@ -26295,7 +26295,7 @@
           <a:p>
             <a:fld id="{60CBF00B-E626-4126-999E-5AB6BE7EC468}" type="datetime1">
               <a:rPr lang="en-US" smtClean="0"/>
-              <a:t>9/26/2024</a:t>
+              <a:t>10/7/2024</a:t>
             </a:fld>
             <a:endParaRPr lang="en-US"/>
           </a:p>
@@ -26411,7 +26411,7 @@
           <a:p>
             <a:fld id="{82F1D4C8-1462-47BD-80F1-731315134789}" type="datetime1">
               <a:rPr lang="en-US" smtClean="0"/>
-              <a:t>9/26/2024</a:t>
+              <a:t>10/7/2024</a:t>
             </a:fld>
             <a:endParaRPr lang="en-US"/>
           </a:p>
@@ -26909,7 +26909,7 @@
           <a:p>
             <a:fld id="{EB3E2F54-F2A7-45E5-B3C3-D24CBB2E5997}" type="datetime1">
               <a:rPr lang="en-US" smtClean="0"/>
-              <a:t>9/26/2024</a:t>
+              <a:t>10/7/2024</a:t>
             </a:fld>
             <a:endParaRPr lang="en-US" dirty="0"/>
           </a:p>
@@ -27389,7 +27389,7 @@
           <a:p>
             <a:fld id="{460E6807-5769-4BCD-90B7-9197A68828F8}" type="datetime1">
               <a:rPr lang="en-US" smtClean="0"/>
-              <a:t>9/26/2024</a:t>
+              <a:t>10/7/2024</a:t>
             </a:fld>
             <a:endParaRPr lang="en-US"/>
           </a:p>
@@ -27635,7 +27635,7 @@
           <a:p>
             <a:fld id="{B34C8A78-A34B-4FF9-9BED-030EFACBDD39}" type="datetime1">
               <a:rPr lang="en-US" smtClean="0"/>
-              <a:t>9/26/2024</a:t>
+              <a:t>10/7/2024</a:t>
             </a:fld>
             <a:endParaRPr lang="en-US"/>
           </a:p>
@@ -34473,8 +34473,8 @@
         </p:nvSpPr>
         <p:spPr>
           <a:xfrm>
-            <a:off x="371094" y="2718054"/>
-            <a:ext cx="3438906" cy="3207258"/>
+            <a:off x="371093" y="2718054"/>
+            <a:ext cx="5530173" cy="3207258"/>
           </a:xfrm>
         </p:spPr>
         <p:txBody>
@@ -34514,21 +34514,7 @@
                 <a:latin typeface="Times New Roman" panose="02020603050405020304" pitchFamily="18" charset="0"/>
                 <a:cs typeface="Times New Roman" panose="02020603050405020304" pitchFamily="18" charset="0"/>
               </a:rPr>
-              <a:t>Established in 2007 by Vineet Saxena, Ashutosh </a:t>
-            </a:r>
-            <a:r>
-              <a:rPr lang="en-US" sz="1600" dirty="0" err="1">
-                <a:latin typeface="Times New Roman" panose="02020603050405020304" pitchFamily="18" charset="0"/>
-                <a:cs typeface="Times New Roman" panose="02020603050405020304" pitchFamily="18" charset="0"/>
-              </a:rPr>
-              <a:t>Lawania</a:t>
-            </a:r>
-            <a:r>
-              <a:rPr lang="en-US" sz="1600" dirty="0">
-                <a:latin typeface="Times New Roman" panose="02020603050405020304" pitchFamily="18" charset="0"/>
-                <a:cs typeface="Times New Roman" panose="02020603050405020304" pitchFamily="18" charset="0"/>
-              </a:rPr>
-              <a:t>, and Mukesh Bansal.</a:t>
+              <a:t>Established in 2007 by Vineet Saxena, Ashutosh Lawania, and Mukesh Bansal.</a:t>
             </a:r>
           </a:p>
           <a:p>
